--- a/Figures/HAPV/DBSCAN.pptx
+++ b/Figures/HAPV/DBSCAN.pptx
@@ -104,6 +104,11 @@
       </a:defRPr>
     </a:lvl9pPr>
   </p:defaultTextStyle>
+  <p:extLst>
+    <p:ext uri="{EFAFB233-063F-42B5-8137-9DF3F51BA10A}">
+      <p15:sldGuideLst xmlns:p15="http://schemas.microsoft.com/office/powerpoint/2012/main"/>
+    </p:ext>
+  </p:extLst>
 </p:presentation>
 </file>
 
@@ -3344,8 +3349,9 @@
             <a:avLst/>
           </a:prstGeom>
           <a:solidFill>
-            <a:schemeClr val="accent1">
-              <a:alpha val="50000"/>
+            <a:schemeClr val="accent4">
+              <a:lumMod val="50000"/>
+              <a:alpha val="20000"/>
             </a:schemeClr>
           </a:solidFill>
           <a:ln>
@@ -3401,8 +3407,9 @@
             <a:avLst/>
           </a:prstGeom>
           <a:solidFill>
-            <a:schemeClr val="accent1">
-              <a:alpha val="50000"/>
+            <a:schemeClr val="accent4">
+              <a:lumMod val="50000"/>
+              <a:alpha val="20000"/>
             </a:schemeClr>
           </a:solidFill>
           <a:ln>
@@ -3458,8 +3465,9 @@
             <a:avLst/>
           </a:prstGeom>
           <a:solidFill>
-            <a:schemeClr val="accent1">
-              <a:alpha val="50000"/>
+            <a:schemeClr val="accent4">
+              <a:lumMod val="50000"/>
+              <a:alpha val="20000"/>
             </a:schemeClr>
           </a:solidFill>
           <a:ln>
@@ -3515,8 +3523,9 @@
             <a:avLst/>
           </a:prstGeom>
           <a:solidFill>
-            <a:schemeClr val="accent1">
-              <a:alpha val="50000"/>
+            <a:schemeClr val="accent4">
+              <a:lumMod val="50000"/>
+              <a:alpha val="20000"/>
             </a:schemeClr>
           </a:solidFill>
           <a:ln>
@@ -3572,8 +3581,9 @@
             <a:avLst/>
           </a:prstGeom>
           <a:solidFill>
-            <a:schemeClr val="accent1">
-              <a:alpha val="50000"/>
+            <a:schemeClr val="accent4">
+              <a:lumMod val="50000"/>
+              <a:alpha val="20000"/>
             </a:schemeClr>
           </a:solidFill>
           <a:ln>
@@ -3629,8 +3639,9 @@
             <a:avLst/>
           </a:prstGeom>
           <a:solidFill>
-            <a:schemeClr val="accent1">
-              <a:alpha val="50000"/>
+            <a:schemeClr val="accent4">
+              <a:lumMod val="50000"/>
+              <a:alpha val="20000"/>
             </a:schemeClr>
           </a:solidFill>
           <a:ln>
@@ -3686,8 +3697,9 @@
             <a:avLst/>
           </a:prstGeom>
           <a:solidFill>
-            <a:schemeClr val="accent1">
-              <a:alpha val="50000"/>
+            <a:schemeClr val="accent4">
+              <a:lumMod val="50000"/>
+              <a:alpha val="20000"/>
             </a:schemeClr>
           </a:solidFill>
           <a:ln>
@@ -3740,6 +3752,11 @@
           <a:prstGeom prst="ellipse">
             <a:avLst/>
           </a:prstGeom>
+          <a:solidFill>
+            <a:schemeClr val="accent4">
+              <a:lumMod val="50000"/>
+            </a:schemeClr>
+          </a:solidFill>
         </p:spPr>
         <p:style>
           <a:lnRef idx="2">
@@ -3790,7 +3807,9 @@
             <a:avLst/>
           </a:prstGeom>
           <a:solidFill>
-            <a:schemeClr val="accent1"/>
+            <a:schemeClr val="accent4">
+              <a:lumMod val="50000"/>
+            </a:schemeClr>
           </a:solidFill>
         </p:spPr>
         <p:style>
@@ -3842,7 +3861,9 @@
             <a:avLst/>
           </a:prstGeom>
           <a:solidFill>
-            <a:schemeClr val="accent1"/>
+            <a:schemeClr val="accent4">
+              <a:lumMod val="50000"/>
+            </a:schemeClr>
           </a:solidFill>
         </p:spPr>
         <p:style>
@@ -3947,7 +3968,9 @@
             <a:avLst/>
           </a:prstGeom>
           <a:solidFill>
-            <a:schemeClr val="accent1"/>
+            <a:schemeClr val="accent4">
+              <a:lumMod val="50000"/>
+            </a:schemeClr>
           </a:solidFill>
         </p:spPr>
         <p:style>
@@ -3999,7 +4022,9 @@
             <a:avLst/>
           </a:prstGeom>
           <a:solidFill>
-            <a:schemeClr val="accent1"/>
+            <a:schemeClr val="accent4">
+              <a:lumMod val="50000"/>
+            </a:schemeClr>
           </a:solidFill>
         </p:spPr>
         <p:style>
@@ -4187,6 +4212,11 @@
           <a:prstGeom prst="ellipse">
             <a:avLst/>
           </a:prstGeom>
+          <a:solidFill>
+            <a:schemeClr val="accent4">
+              <a:lumMod val="50000"/>
+            </a:schemeClr>
+          </a:solidFill>
         </p:spPr>
         <p:style>
           <a:lnRef idx="2">
@@ -4551,6 +4581,11 @@
           <a:prstGeom prst="ellipse">
             <a:avLst/>
           </a:prstGeom>
+          <a:solidFill>
+            <a:schemeClr val="accent4">
+              <a:lumMod val="50000"/>
+            </a:schemeClr>
+          </a:solidFill>
         </p:spPr>
         <p:style>
           <a:lnRef idx="2">
@@ -4648,8 +4683,9 @@
             <a:avLst/>
           </a:prstGeom>
           <a:solidFill>
-            <a:schemeClr val="accent1">
-              <a:alpha val="50000"/>
+            <a:schemeClr val="accent4">
+              <a:lumMod val="50000"/>
+              <a:alpha val="20000"/>
             </a:schemeClr>
           </a:solidFill>
           <a:ln>
@@ -4705,8 +4741,9 @@
             <a:avLst/>
           </a:prstGeom>
           <a:solidFill>
-            <a:schemeClr val="accent1">
-              <a:alpha val="50000"/>
+            <a:schemeClr val="accent4">
+              <a:lumMod val="50000"/>
+              <a:alpha val="20000"/>
             </a:schemeClr>
           </a:solidFill>
           <a:ln>
@@ -4762,8 +4799,9 @@
             <a:avLst/>
           </a:prstGeom>
           <a:solidFill>
-            <a:schemeClr val="accent1">
-              <a:alpha val="50000"/>
+            <a:schemeClr val="accent4">
+              <a:lumMod val="50000"/>
+              <a:alpha val="20000"/>
             </a:schemeClr>
           </a:solidFill>
           <a:ln>
@@ -4816,6 +4854,11 @@
           <a:prstGeom prst="ellipse">
             <a:avLst/>
           </a:prstGeom>
+          <a:solidFill>
+            <a:schemeClr val="accent4">
+              <a:lumMod val="50000"/>
+            </a:schemeClr>
+          </a:solidFill>
         </p:spPr>
         <p:style>
           <a:lnRef idx="2">
@@ -4866,7 +4909,9 @@
             <a:avLst/>
           </a:prstGeom>
           <a:solidFill>
-            <a:schemeClr val="accent1"/>
+            <a:schemeClr val="accent4">
+              <a:lumMod val="50000"/>
+            </a:schemeClr>
           </a:solidFill>
         </p:spPr>
         <p:style>
@@ -4918,7 +4963,9 @@
             <a:avLst/>
           </a:prstGeom>
           <a:solidFill>
-            <a:schemeClr val="accent1"/>
+            <a:schemeClr val="accent4">
+              <a:lumMod val="50000"/>
+            </a:schemeClr>
           </a:solidFill>
         </p:spPr>
         <p:style>
@@ -5023,7 +5070,10 @@
             <a:avLst/>
           </a:prstGeom>
           <a:solidFill>
-            <a:schemeClr val="accent2"/>
+            <a:schemeClr val="accent2">
+              <a:lumMod val="60000"/>
+              <a:lumOff val="40000"/>
+            </a:schemeClr>
           </a:solidFill>
         </p:spPr>
         <p:style>
@@ -5407,7 +5457,9 @@
           </a:prstGeom>
           <a:solidFill>
             <a:schemeClr val="accent2">
-              <a:alpha val="50000"/>
+              <a:lumMod val="60000"/>
+              <a:lumOff val="40000"/>
+              <a:alpha val="20000"/>
             </a:schemeClr>
           </a:solidFill>
           <a:ln>
@@ -5463,8 +5515,9 @@
             <a:avLst/>
           </a:prstGeom>
           <a:solidFill>
-            <a:schemeClr val="accent1">
-              <a:alpha val="50000"/>
+            <a:schemeClr val="accent4">
+              <a:lumMod val="50000"/>
+              <a:alpha val="20000"/>
             </a:schemeClr>
           </a:solidFill>
           <a:ln>
@@ -5521,7 +5574,9 @@
           </a:prstGeom>
           <a:solidFill>
             <a:schemeClr val="accent2">
-              <a:alpha val="50000"/>
+              <a:lumMod val="60000"/>
+              <a:lumOff val="40000"/>
+              <a:alpha val="20000"/>
             </a:schemeClr>
           </a:solidFill>
           <a:ln>
@@ -5577,8 +5632,9 @@
             <a:avLst/>
           </a:prstGeom>
           <a:solidFill>
-            <a:schemeClr val="accent1">
-              <a:alpha val="50000"/>
+            <a:schemeClr val="accent4">
+              <a:lumMod val="50000"/>
+              <a:alpha val="20000"/>
             </a:schemeClr>
           </a:solidFill>
           <a:ln>
@@ -5634,8 +5690,9 @@
             <a:avLst/>
           </a:prstGeom>
           <a:solidFill>
-            <a:schemeClr val="accent1">
-              <a:alpha val="50000"/>
+            <a:schemeClr val="accent4">
+              <a:lumMod val="50000"/>
+              <a:alpha val="20000"/>
             </a:schemeClr>
           </a:solidFill>
           <a:ln>
@@ -5688,6 +5745,11 @@
           <a:prstGeom prst="ellipse">
             <a:avLst/>
           </a:prstGeom>
+          <a:solidFill>
+            <a:schemeClr val="accent4">
+              <a:lumMod val="50000"/>
+            </a:schemeClr>
+          </a:solidFill>
         </p:spPr>
         <p:style>
           <a:lnRef idx="2">
@@ -5738,7 +5800,9 @@
             <a:avLst/>
           </a:prstGeom>
           <a:solidFill>
-            <a:schemeClr val="accent1"/>
+            <a:schemeClr val="accent4">
+              <a:lumMod val="50000"/>
+            </a:schemeClr>
           </a:solidFill>
         </p:spPr>
         <p:style>
@@ -5790,7 +5854,9 @@
             <a:avLst/>
           </a:prstGeom>
           <a:solidFill>
-            <a:schemeClr val="accent1"/>
+            <a:schemeClr val="accent4">
+              <a:lumMod val="50000"/>
+            </a:schemeClr>
           </a:solidFill>
         </p:spPr>
         <p:style>
@@ -5895,7 +5961,10 @@
             <a:avLst/>
           </a:prstGeom>
           <a:solidFill>
-            <a:schemeClr val="accent2"/>
+            <a:schemeClr val="accent2">
+              <a:lumMod val="60000"/>
+              <a:lumOff val="40000"/>
+            </a:schemeClr>
           </a:solidFill>
         </p:spPr>
         <p:style>
@@ -6037,7 +6106,10 @@
             <a:avLst/>
           </a:prstGeom>
           <a:solidFill>
-            <a:schemeClr val="accent2"/>
+            <a:schemeClr val="accent2">
+              <a:lumMod val="60000"/>
+              <a:lumOff val="40000"/>
+            </a:schemeClr>
           </a:solidFill>
         </p:spPr>
         <p:style>
@@ -6393,7 +6465,10 @@
             <a:avLst/>
           </a:prstGeom>
           <a:solidFill>
-            <a:schemeClr val="accent2"/>
+            <a:schemeClr val="accent2">
+              <a:lumMod val="60000"/>
+              <a:lumOff val="40000"/>
+            </a:schemeClr>
           </a:solidFill>
         </p:spPr>
         <p:style>

--- a/Figures/HAPV/DBSCAN.pptx
+++ b/Figures/HAPV/DBSCAN.pptx
@@ -259,7 +259,7 @@
           <a:p>
             <a:fld id="{28DE2F15-F670-6142-A380-E0390154FF41}" type="datetimeFigureOut">
               <a:rPr lang="en-US" smtClean="0"/>
-              <a:t>2/29/24</a:t>
+              <a:t>3/1/24</a:t>
             </a:fld>
             <a:endParaRPr lang="en-US"/>
           </a:p>
@@ -457,7 +457,7 @@
           <a:p>
             <a:fld id="{28DE2F15-F670-6142-A380-E0390154FF41}" type="datetimeFigureOut">
               <a:rPr lang="en-US" smtClean="0"/>
-              <a:t>2/29/24</a:t>
+              <a:t>3/1/24</a:t>
             </a:fld>
             <a:endParaRPr lang="en-US"/>
           </a:p>
@@ -665,7 +665,7 @@
           <a:p>
             <a:fld id="{28DE2F15-F670-6142-A380-E0390154FF41}" type="datetimeFigureOut">
               <a:rPr lang="en-US" smtClean="0"/>
-              <a:t>2/29/24</a:t>
+              <a:t>3/1/24</a:t>
             </a:fld>
             <a:endParaRPr lang="en-US"/>
           </a:p>
@@ -863,7 +863,7 @@
           <a:p>
             <a:fld id="{28DE2F15-F670-6142-A380-E0390154FF41}" type="datetimeFigureOut">
               <a:rPr lang="en-US" smtClean="0"/>
-              <a:t>2/29/24</a:t>
+              <a:t>3/1/24</a:t>
             </a:fld>
             <a:endParaRPr lang="en-US"/>
           </a:p>
@@ -1138,7 +1138,7 @@
           <a:p>
             <a:fld id="{28DE2F15-F670-6142-A380-E0390154FF41}" type="datetimeFigureOut">
               <a:rPr lang="en-US" smtClean="0"/>
-              <a:t>2/29/24</a:t>
+              <a:t>3/1/24</a:t>
             </a:fld>
             <a:endParaRPr lang="en-US"/>
           </a:p>
@@ -1403,7 +1403,7 @@
           <a:p>
             <a:fld id="{28DE2F15-F670-6142-A380-E0390154FF41}" type="datetimeFigureOut">
               <a:rPr lang="en-US" smtClean="0"/>
-              <a:t>2/29/24</a:t>
+              <a:t>3/1/24</a:t>
             </a:fld>
             <a:endParaRPr lang="en-US"/>
           </a:p>
@@ -1815,7 +1815,7 @@
           <a:p>
             <a:fld id="{28DE2F15-F670-6142-A380-E0390154FF41}" type="datetimeFigureOut">
               <a:rPr lang="en-US" smtClean="0"/>
-              <a:t>2/29/24</a:t>
+              <a:t>3/1/24</a:t>
             </a:fld>
             <a:endParaRPr lang="en-US"/>
           </a:p>
@@ -1956,7 +1956,7 @@
           <a:p>
             <a:fld id="{28DE2F15-F670-6142-A380-E0390154FF41}" type="datetimeFigureOut">
               <a:rPr lang="en-US" smtClean="0"/>
-              <a:t>2/29/24</a:t>
+              <a:t>3/1/24</a:t>
             </a:fld>
             <a:endParaRPr lang="en-US"/>
           </a:p>
@@ -2069,7 +2069,7 @@
           <a:p>
             <a:fld id="{28DE2F15-F670-6142-A380-E0390154FF41}" type="datetimeFigureOut">
               <a:rPr lang="en-US" smtClean="0"/>
-              <a:t>2/29/24</a:t>
+              <a:t>3/1/24</a:t>
             </a:fld>
             <a:endParaRPr lang="en-US"/>
           </a:p>
@@ -2380,7 +2380,7 @@
           <a:p>
             <a:fld id="{28DE2F15-F670-6142-A380-E0390154FF41}" type="datetimeFigureOut">
               <a:rPr lang="en-US" smtClean="0"/>
-              <a:t>2/29/24</a:t>
+              <a:t>3/1/24</a:t>
             </a:fld>
             <a:endParaRPr lang="en-US"/>
           </a:p>
@@ -2668,7 +2668,7 @@
           <a:p>
             <a:fld id="{28DE2F15-F670-6142-A380-E0390154FF41}" type="datetimeFigureOut">
               <a:rPr lang="en-US" smtClean="0"/>
-              <a:t>2/29/24</a:t>
+              <a:t>3/1/24</a:t>
             </a:fld>
             <a:endParaRPr lang="en-US"/>
           </a:p>
@@ -2909,7 +2909,7 @@
           <a:p>
             <a:fld id="{28DE2F15-F670-6142-A380-E0390154FF41}" type="datetimeFigureOut">
               <a:rPr lang="en-US" smtClean="0"/>
-              <a:t>2/29/24</a:t>
+              <a:t>3/1/24</a:t>
             </a:fld>
             <a:endParaRPr lang="en-US"/>
           </a:p>
@@ -3342,7 +3342,7 @@
         </p:nvSpPr>
         <p:spPr>
           <a:xfrm>
-            <a:off x="3294768" y="1861452"/>
+            <a:off x="3294768" y="2282691"/>
             <a:ext cx="1280160" cy="1280160"/>
           </a:xfrm>
           <a:prstGeom prst="ellipse">
@@ -3400,7 +3400,7 @@
         </p:nvSpPr>
         <p:spPr>
           <a:xfrm>
-            <a:off x="2568775" y="1221464"/>
+            <a:off x="2568775" y="1642703"/>
             <a:ext cx="1280160" cy="1280160"/>
           </a:xfrm>
           <a:prstGeom prst="ellipse">
@@ -3458,7 +3458,7 @@
         </p:nvSpPr>
         <p:spPr>
           <a:xfrm>
-            <a:off x="2761889" y="282810"/>
+            <a:off x="2761889" y="704049"/>
             <a:ext cx="1280160" cy="1280160"/>
           </a:xfrm>
           <a:prstGeom prst="ellipse">
@@ -3516,7 +3516,7 @@
         </p:nvSpPr>
         <p:spPr>
           <a:xfrm>
-            <a:off x="2761888" y="1855475"/>
+            <a:off x="2761888" y="2276714"/>
             <a:ext cx="1280160" cy="1280160"/>
           </a:xfrm>
           <a:prstGeom prst="ellipse">
@@ -3574,7 +3574,7 @@
         </p:nvSpPr>
         <p:spPr>
           <a:xfrm>
-            <a:off x="3208869" y="1059012"/>
+            <a:off x="3208869" y="1480251"/>
             <a:ext cx="1280160" cy="1280160"/>
           </a:xfrm>
           <a:prstGeom prst="ellipse">
@@ -3632,7 +3632,7 @@
         </p:nvSpPr>
         <p:spPr>
           <a:xfrm>
-            <a:off x="3197095" y="399862"/>
+            <a:off x="3197095" y="821101"/>
             <a:ext cx="1280160" cy="1280160"/>
           </a:xfrm>
           <a:prstGeom prst="ellipse">
@@ -3690,7 +3690,7 @@
         </p:nvSpPr>
         <p:spPr>
           <a:xfrm>
-            <a:off x="2754726" y="755741"/>
+            <a:off x="2754726" y="1176980"/>
             <a:ext cx="1280160" cy="1280160"/>
           </a:xfrm>
           <a:prstGeom prst="ellipse">
@@ -3746,7 +3746,7 @@
         </p:nvSpPr>
         <p:spPr>
           <a:xfrm>
-            <a:off x="3785239" y="1606016"/>
+            <a:off x="3785239" y="2027255"/>
             <a:ext cx="186152" cy="186152"/>
           </a:xfrm>
           <a:prstGeom prst="ellipse">
@@ -3800,7 +3800,7 @@
         </p:nvSpPr>
         <p:spPr>
           <a:xfrm>
-            <a:off x="3301730" y="1311729"/>
+            <a:off x="3301730" y="1732968"/>
             <a:ext cx="186152" cy="186152"/>
           </a:xfrm>
           <a:prstGeom prst="ellipse">
@@ -3854,7 +3854,7 @@
         </p:nvSpPr>
         <p:spPr>
           <a:xfrm>
-            <a:off x="3308893" y="832230"/>
+            <a:off x="3308893" y="1253469"/>
             <a:ext cx="186152" cy="186152"/>
           </a:xfrm>
           <a:prstGeom prst="ellipse">
@@ -3908,7 +3908,7 @@
         </p:nvSpPr>
         <p:spPr>
           <a:xfrm rot="5400000">
-            <a:off x="1981056" y="794136"/>
+            <a:off x="1981056" y="1215375"/>
             <a:ext cx="3167823" cy="2101906"/>
           </a:xfrm>
           <a:prstGeom prst="rect">
@@ -3961,7 +3961,7 @@
         </p:nvSpPr>
         <p:spPr>
           <a:xfrm>
-            <a:off x="3746296" y="948305"/>
+            <a:off x="3746296" y="1369544"/>
             <a:ext cx="186152" cy="186152"/>
           </a:xfrm>
           <a:prstGeom prst="ellipse">
@@ -4015,7 +4015,7 @@
         </p:nvSpPr>
         <p:spPr>
           <a:xfrm>
-            <a:off x="3115779" y="1770884"/>
+            <a:off x="3115779" y="2192123"/>
             <a:ext cx="186152" cy="186152"/>
           </a:xfrm>
           <a:prstGeom prst="ellipse">
@@ -4069,7 +4069,7 @@
         </p:nvSpPr>
         <p:spPr>
           <a:xfrm>
-            <a:off x="4636594" y="1684772"/>
+            <a:off x="4636594" y="2106011"/>
             <a:ext cx="303945" cy="320634"/>
           </a:xfrm>
           <a:prstGeom prst="rightArrow">
@@ -4118,7 +4118,7 @@
         </p:nvSpPr>
         <p:spPr>
           <a:xfrm>
-            <a:off x="2514014" y="3471025"/>
+            <a:off x="2514014" y="297117"/>
             <a:ext cx="2097397" cy="338554"/>
           </a:xfrm>
           <a:prstGeom prst="rect">
@@ -4165,7 +4165,7 @@
         </p:nvCxnSpPr>
         <p:spPr>
           <a:xfrm>
-            <a:off x="3208855" y="1957036"/>
+            <a:off x="3208855" y="2378275"/>
             <a:ext cx="185951" cy="445443"/>
           </a:xfrm>
           <a:prstGeom prst="straightConnector1">
@@ -4206,7 +4206,7 @@
         </p:nvSpPr>
         <p:spPr>
           <a:xfrm>
-            <a:off x="3301730" y="2402479"/>
+            <a:off x="3301730" y="2823718"/>
             <a:ext cx="186152" cy="186152"/>
           </a:xfrm>
           <a:prstGeom prst="ellipse">
@@ -4264,7 +4264,7 @@
         </p:nvCxnSpPr>
         <p:spPr>
           <a:xfrm flipV="1">
-            <a:off x="3301931" y="1764907"/>
+            <a:off x="3301931" y="2186146"/>
             <a:ext cx="510569" cy="99053"/>
           </a:xfrm>
           <a:prstGeom prst="straightConnector1">
@@ -4309,7 +4309,7 @@
         </p:nvCxnSpPr>
         <p:spPr>
           <a:xfrm flipV="1">
-            <a:off x="3208855" y="1497881"/>
+            <a:off x="3208855" y="1919120"/>
             <a:ext cx="185951" cy="273003"/>
           </a:xfrm>
           <a:prstGeom prst="straightConnector1">
@@ -4354,7 +4354,7 @@
         </p:nvCxnSpPr>
         <p:spPr>
           <a:xfrm flipV="1">
-            <a:off x="3394806" y="1018382"/>
+            <a:off x="3394806" y="1439621"/>
             <a:ext cx="7163" cy="293347"/>
           </a:xfrm>
           <a:prstGeom prst="straightConnector1">
@@ -4399,7 +4399,7 @@
         </p:nvCxnSpPr>
         <p:spPr>
           <a:xfrm flipH="1" flipV="1">
-            <a:off x="3460621" y="1470620"/>
+            <a:off x="3460621" y="1891859"/>
             <a:ext cx="351879" cy="162657"/>
           </a:xfrm>
           <a:prstGeom prst="straightConnector1">
@@ -4444,7 +4444,7 @@
         </p:nvCxnSpPr>
         <p:spPr>
           <a:xfrm flipV="1">
-            <a:off x="3460621" y="1107196"/>
+            <a:off x="3460621" y="1528435"/>
             <a:ext cx="312936" cy="231794"/>
           </a:xfrm>
           <a:prstGeom prst="straightConnector1">
@@ -4489,7 +4489,7 @@
         </p:nvCxnSpPr>
         <p:spPr>
           <a:xfrm>
-            <a:off x="3839372" y="1134457"/>
+            <a:off x="3839372" y="1555696"/>
             <a:ext cx="38943" cy="471559"/>
           </a:xfrm>
           <a:prstGeom prst="straightConnector1">
@@ -4534,7 +4534,7 @@
         </p:nvCxnSpPr>
         <p:spPr>
           <a:xfrm>
-            <a:off x="3495045" y="925306"/>
+            <a:off x="3495045" y="1346545"/>
             <a:ext cx="251251" cy="116075"/>
           </a:xfrm>
           <a:prstGeom prst="straightConnector1">
@@ -4575,7 +4575,7 @@
         </p:nvSpPr>
         <p:spPr>
           <a:xfrm>
-            <a:off x="3848835" y="2415756"/>
+            <a:off x="3848835" y="2836995"/>
             <a:ext cx="186152" cy="186152"/>
           </a:xfrm>
           <a:prstGeom prst="ellipse">
@@ -4633,7 +4633,7 @@
         </p:nvCxnSpPr>
         <p:spPr>
           <a:xfrm flipH="1" flipV="1">
-            <a:off x="3487882" y="2495555"/>
+            <a:off x="3487882" y="2916794"/>
             <a:ext cx="360953" cy="13277"/>
           </a:xfrm>
           <a:prstGeom prst="straightConnector1">
@@ -4676,7 +4676,7 @@
         </p:nvSpPr>
         <p:spPr>
           <a:xfrm>
-            <a:off x="6945616" y="282998"/>
+            <a:off x="6945616" y="704237"/>
             <a:ext cx="1280160" cy="1280160"/>
           </a:xfrm>
           <a:prstGeom prst="ellipse">
@@ -4734,7 +4734,7 @@
         </p:nvSpPr>
         <p:spPr>
           <a:xfrm>
-            <a:off x="7392596" y="1059200"/>
+            <a:off x="7392596" y="1480439"/>
             <a:ext cx="1280160" cy="1280160"/>
           </a:xfrm>
           <a:prstGeom prst="ellipse">
@@ -4792,7 +4792,7 @@
         </p:nvSpPr>
         <p:spPr>
           <a:xfrm>
-            <a:off x="6938453" y="755929"/>
+            <a:off x="6938453" y="1177168"/>
             <a:ext cx="1280160" cy="1280160"/>
           </a:xfrm>
           <a:prstGeom prst="ellipse">
@@ -4848,7 +4848,7 @@
         </p:nvSpPr>
         <p:spPr>
           <a:xfrm>
-            <a:off x="7968966" y="1606204"/>
+            <a:off x="7968966" y="2027443"/>
             <a:ext cx="186152" cy="186152"/>
           </a:xfrm>
           <a:prstGeom prst="ellipse">
@@ -4902,7 +4902,7 @@
         </p:nvSpPr>
         <p:spPr>
           <a:xfrm>
-            <a:off x="7485457" y="1311917"/>
+            <a:off x="7485457" y="1733156"/>
             <a:ext cx="186152" cy="186152"/>
           </a:xfrm>
           <a:prstGeom prst="ellipse">
@@ -4956,7 +4956,7 @@
         </p:nvSpPr>
         <p:spPr>
           <a:xfrm>
-            <a:off x="7492620" y="832418"/>
+            <a:off x="7492620" y="1253657"/>
             <a:ext cx="186152" cy="186152"/>
           </a:xfrm>
           <a:prstGeom prst="ellipse">
@@ -5010,7 +5010,7 @@
         </p:nvSpPr>
         <p:spPr>
           <a:xfrm rot="5400000">
-            <a:off x="6209640" y="937674"/>
+            <a:off x="6209640" y="1358913"/>
             <a:ext cx="3167823" cy="1815208"/>
           </a:xfrm>
           <a:prstGeom prst="rect">
@@ -5063,7 +5063,7 @@
         </p:nvSpPr>
         <p:spPr>
           <a:xfrm>
-            <a:off x="7485457" y="2402667"/>
+            <a:off x="7485457" y="2823906"/>
             <a:ext cx="186152" cy="186152"/>
           </a:xfrm>
           <a:prstGeom prst="ellipse">
@@ -5122,7 +5122,7 @@
         </p:nvCxnSpPr>
         <p:spPr>
           <a:xfrm flipV="1">
-            <a:off x="7578533" y="1018570"/>
+            <a:off x="7578533" y="1439809"/>
             <a:ext cx="7163" cy="293347"/>
           </a:xfrm>
           <a:prstGeom prst="straightConnector1">
@@ -5167,7 +5167,7 @@
         </p:nvCxnSpPr>
         <p:spPr>
           <a:xfrm flipH="1" flipV="1">
-            <a:off x="7644348" y="1470808"/>
+            <a:off x="7644348" y="1892047"/>
             <a:ext cx="351879" cy="162657"/>
           </a:xfrm>
           <a:prstGeom prst="straightConnector1">
@@ -5208,7 +5208,7 @@
         </p:nvSpPr>
         <p:spPr>
           <a:xfrm>
-            <a:off x="8032562" y="2415944"/>
+            <a:off x="8032562" y="2837183"/>
             <a:ext cx="186152" cy="186152"/>
           </a:xfrm>
           <a:prstGeom prst="ellipse">
@@ -5264,7 +5264,7 @@
         </p:nvCxnSpPr>
         <p:spPr>
           <a:xfrm flipH="1" flipV="1">
-            <a:off x="7671609" y="2495743"/>
+            <a:off x="7671609" y="2916982"/>
             <a:ext cx="360953" cy="13277"/>
           </a:xfrm>
           <a:prstGeom prst="straightConnector1">
@@ -5305,7 +5305,7 @@
         </p:nvSpPr>
         <p:spPr>
           <a:xfrm>
-            <a:off x="2514014" y="3152486"/>
+            <a:off x="2514014" y="3573725"/>
             <a:ext cx="2097397" cy="338554"/>
           </a:xfrm>
           <a:prstGeom prst="rect">
@@ -5355,7 +5355,7 @@
         </p:nvSpPr>
         <p:spPr>
           <a:xfrm rot="16200000">
-            <a:off x="3617399" y="1254729"/>
+            <a:off x="3617399" y="1675968"/>
             <a:ext cx="2327453" cy="338554"/>
           </a:xfrm>
           <a:prstGeom prst="rect">
@@ -5397,7 +5397,7 @@
         </p:nvSpPr>
         <p:spPr>
           <a:xfrm>
-            <a:off x="6890457" y="3158166"/>
+            <a:off x="6890457" y="3579405"/>
             <a:ext cx="1810699" cy="338554"/>
           </a:xfrm>
           <a:prstGeom prst="rect">
@@ -5449,7 +5449,7 @@
         </p:nvSpPr>
         <p:spPr>
           <a:xfrm>
-            <a:off x="9430577" y="1860554"/>
+            <a:off x="9430577" y="2281793"/>
             <a:ext cx="1280160" cy="1280160"/>
           </a:xfrm>
           <a:prstGeom prst="ellipse">
@@ -5508,7 +5508,7 @@
         </p:nvSpPr>
         <p:spPr>
           <a:xfrm>
-            <a:off x="8897698" y="281912"/>
+            <a:off x="8897698" y="703151"/>
             <a:ext cx="1280160" cy="1280160"/>
           </a:xfrm>
           <a:prstGeom prst="ellipse">
@@ -5566,7 +5566,7 @@
         </p:nvSpPr>
         <p:spPr>
           <a:xfrm>
-            <a:off x="8897697" y="1854577"/>
+            <a:off x="8897697" y="2275816"/>
             <a:ext cx="1280160" cy="1280160"/>
           </a:xfrm>
           <a:prstGeom prst="ellipse">
@@ -5625,7 +5625,7 @@
         </p:nvSpPr>
         <p:spPr>
           <a:xfrm>
-            <a:off x="9344678" y="1058114"/>
+            <a:off x="9344678" y="1479353"/>
             <a:ext cx="1280160" cy="1280160"/>
           </a:xfrm>
           <a:prstGeom prst="ellipse">
@@ -5683,7 +5683,7 @@
         </p:nvSpPr>
         <p:spPr>
           <a:xfrm>
-            <a:off x="8890535" y="754843"/>
+            <a:off x="8890535" y="1176082"/>
             <a:ext cx="1280160" cy="1280160"/>
           </a:xfrm>
           <a:prstGeom prst="ellipse">
@@ -5739,7 +5739,7 @@
         </p:nvSpPr>
         <p:spPr>
           <a:xfrm>
-            <a:off x="9921048" y="1605118"/>
+            <a:off x="9921048" y="2026357"/>
             <a:ext cx="186152" cy="186152"/>
           </a:xfrm>
           <a:prstGeom prst="ellipse">
@@ -5793,7 +5793,7 @@
         </p:nvSpPr>
         <p:spPr>
           <a:xfrm>
-            <a:off x="9437539" y="1310831"/>
+            <a:off x="9437539" y="1732070"/>
             <a:ext cx="186152" cy="186152"/>
           </a:xfrm>
           <a:prstGeom prst="ellipse">
@@ -5847,7 +5847,7 @@
         </p:nvSpPr>
         <p:spPr>
           <a:xfrm>
-            <a:off x="9444702" y="831332"/>
+            <a:off x="9444702" y="1252571"/>
             <a:ext cx="186152" cy="186152"/>
           </a:xfrm>
           <a:prstGeom prst="ellipse">
@@ -5901,7 +5901,7 @@
         </p:nvSpPr>
         <p:spPr>
           <a:xfrm rot="5400000">
-            <a:off x="8204439" y="880813"/>
+            <a:off x="8204439" y="1302052"/>
             <a:ext cx="3167823" cy="1926758"/>
           </a:xfrm>
           <a:prstGeom prst="rect">
@@ -5954,7 +5954,7 @@
         </p:nvSpPr>
         <p:spPr>
           <a:xfrm>
-            <a:off x="9437539" y="2401581"/>
+            <a:off x="9437539" y="2822820"/>
             <a:ext cx="186152" cy="186152"/>
           </a:xfrm>
           <a:prstGeom prst="ellipse">
@@ -6013,7 +6013,7 @@
         </p:nvCxnSpPr>
         <p:spPr>
           <a:xfrm flipV="1">
-            <a:off x="9530615" y="1017484"/>
+            <a:off x="9530615" y="1438723"/>
             <a:ext cx="7163" cy="293347"/>
           </a:xfrm>
           <a:prstGeom prst="straightConnector1">
@@ -6058,7 +6058,7 @@
         </p:nvCxnSpPr>
         <p:spPr>
           <a:xfrm flipH="1" flipV="1">
-            <a:off x="9596430" y="1469722"/>
+            <a:off x="9596430" y="1890961"/>
             <a:ext cx="351879" cy="162657"/>
           </a:xfrm>
           <a:prstGeom prst="straightConnector1">
@@ -6099,7 +6099,7 @@
         </p:nvSpPr>
         <p:spPr>
           <a:xfrm>
-            <a:off x="9984644" y="2414858"/>
+            <a:off x="9984644" y="2836097"/>
             <a:ext cx="186152" cy="186152"/>
           </a:xfrm>
           <a:prstGeom prst="ellipse">
@@ -6158,7 +6158,7 @@
         </p:nvCxnSpPr>
         <p:spPr>
           <a:xfrm flipH="1" flipV="1">
-            <a:off x="9623691" y="2494657"/>
+            <a:off x="9623691" y="2915896"/>
             <a:ext cx="360953" cy="13277"/>
           </a:xfrm>
           <a:prstGeom prst="straightConnector1">
@@ -6199,7 +6199,7 @@
         </p:nvSpPr>
         <p:spPr>
           <a:xfrm>
-            <a:off x="8831952" y="3152001"/>
+            <a:off x="8831952" y="3573240"/>
             <a:ext cx="1919777" cy="338554"/>
           </a:xfrm>
           <a:prstGeom prst="rect">
@@ -6249,7 +6249,7 @@
         </p:nvSpPr>
         <p:spPr>
           <a:xfrm>
-            <a:off x="6035569" y="1606015"/>
+            <a:off x="6035569" y="2027254"/>
             <a:ext cx="186152" cy="186152"/>
           </a:xfrm>
           <a:prstGeom prst="ellipse">
@@ -6301,7 +6301,7 @@
         </p:nvSpPr>
         <p:spPr>
           <a:xfrm>
-            <a:off x="5552060" y="1311728"/>
+            <a:off x="5552060" y="1732967"/>
             <a:ext cx="186152" cy="186152"/>
           </a:xfrm>
           <a:prstGeom prst="ellipse">
@@ -6353,7 +6353,7 @@
         </p:nvSpPr>
         <p:spPr>
           <a:xfrm>
-            <a:off x="5559223" y="832229"/>
+            <a:off x="5559223" y="1253468"/>
             <a:ext cx="186152" cy="186152"/>
           </a:xfrm>
           <a:prstGeom prst="ellipse">
@@ -6405,7 +6405,7 @@
         </p:nvSpPr>
         <p:spPr>
           <a:xfrm rot="5400000">
-            <a:off x="4270614" y="937483"/>
+            <a:off x="4270614" y="1358722"/>
             <a:ext cx="3167823" cy="1815211"/>
           </a:xfrm>
           <a:prstGeom prst="rect">
@@ -6458,7 +6458,7 @@
         </p:nvSpPr>
         <p:spPr>
           <a:xfrm>
-            <a:off x="5552060" y="2402478"/>
+            <a:off x="5552060" y="2823717"/>
             <a:ext cx="186152" cy="186152"/>
           </a:xfrm>
           <a:prstGeom prst="ellipse">
@@ -6517,7 +6517,7 @@
         </p:nvCxnSpPr>
         <p:spPr>
           <a:xfrm flipV="1">
-            <a:off x="5645136" y="1018381"/>
+            <a:off x="5645136" y="1439620"/>
             <a:ext cx="7163" cy="293347"/>
           </a:xfrm>
           <a:prstGeom prst="straightConnector1">
@@ -6562,7 +6562,7 @@
         </p:nvCxnSpPr>
         <p:spPr>
           <a:xfrm flipH="1" flipV="1">
-            <a:off x="5710951" y="1470619"/>
+            <a:off x="5710951" y="1891858"/>
             <a:ext cx="351879" cy="162657"/>
           </a:xfrm>
           <a:prstGeom prst="straightConnector1">
@@ -6603,7 +6603,7 @@
         </p:nvSpPr>
         <p:spPr>
           <a:xfrm>
-            <a:off x="6099165" y="2415755"/>
+            <a:off x="6099165" y="2836994"/>
             <a:ext cx="186152" cy="186152"/>
           </a:xfrm>
           <a:prstGeom prst="ellipse">
@@ -6659,7 +6659,7 @@
         </p:nvCxnSpPr>
         <p:spPr>
           <a:xfrm flipH="1" flipV="1">
-            <a:off x="5738212" y="2495554"/>
+            <a:off x="5738212" y="2916793"/>
             <a:ext cx="360953" cy="13277"/>
           </a:xfrm>
           <a:prstGeom prst="straightConnector1">
@@ -6700,7 +6700,7 @@
         </p:nvSpPr>
         <p:spPr>
           <a:xfrm>
-            <a:off x="4946921" y="3157977"/>
+            <a:off x="4946921" y="3579216"/>
             <a:ext cx="1815210" cy="338554"/>
           </a:xfrm>
           <a:prstGeom prst="rect">
@@ -6750,7 +6750,7 @@
         </p:nvSpPr>
         <p:spPr>
           <a:xfrm>
-            <a:off x="4939940" y="3471025"/>
+            <a:off x="4939940" y="297117"/>
             <a:ext cx="5811789" cy="338554"/>
           </a:xfrm>
           <a:prstGeom prst="rect">
@@ -6779,6 +6779,135 @@
               </a:rPr>
               <a:t>i</a:t>
             </a:r>
+          </a:p>
+        </p:txBody>
+      </p:sp>
+      <p:sp>
+        <p:nvSpPr>
+          <p:cNvPr id="3" name="TextBox 2">
+            <a:extLst>
+              <a:ext uri="{FF2B5EF4-FFF2-40B4-BE49-F238E27FC236}">
+                <a16:creationId xmlns:a16="http://schemas.microsoft.com/office/drawing/2014/main" id="{4738A2B1-5EEF-263D-1D95-2B6FB6283508}"/>
+              </a:ext>
+            </a:extLst>
+          </p:cNvPr>
+          <p:cNvSpPr txBox="1"/>
+          <p:nvPr/>
+        </p:nvSpPr>
+        <p:spPr>
+          <a:xfrm>
+            <a:off x="4953902" y="3896807"/>
+            <a:ext cx="1805759" cy="338554"/>
+          </a:xfrm>
+          <a:prstGeom prst="rect">
+            <a:avLst/>
+          </a:prstGeom>
+          <a:noFill/>
+        </p:spPr>
+        <p:txBody>
+          <a:bodyPr wrap="square" rtlCol="0">
+            <a:spAutoFit/>
+          </a:bodyPr>
+          <a:lstStyle/>
+          <a:p>
+            <a:pPr algn="ctr"/>
+            <a:r>
+              <a:rPr lang="en-US" sz="1600" dirty="0">
+                <a:latin typeface="Calibri" panose="020F0502020204030204" pitchFamily="34" charset="0"/>
+                <a:cs typeface="Calibri" panose="020F0502020204030204" pitchFamily="34" charset="0"/>
+              </a:rPr>
+              <a:t>(a)</a:t>
+            </a:r>
+            <a:endParaRPr lang="en-US" sz="1600" baseline="-25000" dirty="0">
+              <a:latin typeface="Calibri" panose="020F0502020204030204" pitchFamily="34" charset="0"/>
+              <a:cs typeface="Calibri" panose="020F0502020204030204" pitchFamily="34" charset="0"/>
+            </a:endParaRPr>
+          </a:p>
+        </p:txBody>
+      </p:sp>
+      <p:sp>
+        <p:nvSpPr>
+          <p:cNvPr id="4" name="TextBox 3">
+            <a:extLst>
+              <a:ext uri="{FF2B5EF4-FFF2-40B4-BE49-F238E27FC236}">
+                <a16:creationId xmlns:a16="http://schemas.microsoft.com/office/drawing/2014/main" id="{3295B284-6784-0F65-68FD-F0F18D49B763}"/>
+              </a:ext>
+            </a:extLst>
+          </p:cNvPr>
+          <p:cNvSpPr txBox="1"/>
+          <p:nvPr/>
+        </p:nvSpPr>
+        <p:spPr>
+          <a:xfrm>
+            <a:off x="6892926" y="3895698"/>
+            <a:ext cx="1812739" cy="338554"/>
+          </a:xfrm>
+          <a:prstGeom prst="rect">
+            <a:avLst/>
+          </a:prstGeom>
+          <a:noFill/>
+        </p:spPr>
+        <p:txBody>
+          <a:bodyPr wrap="square" rtlCol="0">
+            <a:spAutoFit/>
+          </a:bodyPr>
+          <a:lstStyle/>
+          <a:p>
+            <a:pPr algn="ctr"/>
+            <a:r>
+              <a:rPr lang="en-US" sz="1600" dirty="0">
+                <a:latin typeface="Calibri" panose="020F0502020204030204" pitchFamily="34" charset="0"/>
+                <a:cs typeface="Calibri" panose="020F0502020204030204" pitchFamily="34" charset="0"/>
+              </a:rPr>
+              <a:t>(b)</a:t>
+            </a:r>
+            <a:endParaRPr lang="en-US" sz="1600" baseline="-25000" dirty="0">
+              <a:latin typeface="Calibri" panose="020F0502020204030204" pitchFamily="34" charset="0"/>
+              <a:cs typeface="Calibri" panose="020F0502020204030204" pitchFamily="34" charset="0"/>
+            </a:endParaRPr>
+          </a:p>
+        </p:txBody>
+      </p:sp>
+      <p:sp>
+        <p:nvSpPr>
+          <p:cNvPr id="5" name="TextBox 4">
+            <a:extLst>
+              <a:ext uri="{FF2B5EF4-FFF2-40B4-BE49-F238E27FC236}">
+                <a16:creationId xmlns:a16="http://schemas.microsoft.com/office/drawing/2014/main" id="{260F76D9-0249-7D39-0136-2503AB814E71}"/>
+              </a:ext>
+            </a:extLst>
+          </p:cNvPr>
+          <p:cNvSpPr txBox="1"/>
+          <p:nvPr/>
+        </p:nvSpPr>
+        <p:spPr>
+          <a:xfrm>
+            <a:off x="8824969" y="3892949"/>
+            <a:ext cx="1926759" cy="338554"/>
+          </a:xfrm>
+          <a:prstGeom prst="rect">
+            <a:avLst/>
+          </a:prstGeom>
+          <a:noFill/>
+        </p:spPr>
+        <p:txBody>
+          <a:bodyPr wrap="square" rtlCol="0">
+            <a:spAutoFit/>
+          </a:bodyPr>
+          <a:lstStyle/>
+          <a:p>
+            <a:pPr algn="ctr"/>
+            <a:r>
+              <a:rPr lang="en-US" sz="1600" dirty="0">
+                <a:latin typeface="Calibri" panose="020F0502020204030204" pitchFamily="34" charset="0"/>
+                <a:cs typeface="Calibri" panose="020F0502020204030204" pitchFamily="34" charset="0"/>
+              </a:rPr>
+              <a:t>(c)</a:t>
+            </a:r>
+            <a:endParaRPr lang="en-US" sz="1600" baseline="-25000" dirty="0">
+              <a:latin typeface="Calibri" panose="020F0502020204030204" pitchFamily="34" charset="0"/>
+              <a:cs typeface="Calibri" panose="020F0502020204030204" pitchFamily="34" charset="0"/>
+            </a:endParaRPr>
           </a:p>
         </p:txBody>
       </p:sp>

--- a/Figures/HAPV/DBSCAN.pptx
+++ b/Figures/HAPV/DBSCAN.pptx
@@ -259,7 +259,7 @@
           <a:p>
             <a:fld id="{28DE2F15-F670-6142-A380-E0390154FF41}" type="datetimeFigureOut">
               <a:rPr lang="en-US" smtClean="0"/>
-              <a:t>3/1/24</a:t>
+              <a:t>3/25/24</a:t>
             </a:fld>
             <a:endParaRPr lang="en-US"/>
           </a:p>
@@ -457,7 +457,7 @@
           <a:p>
             <a:fld id="{28DE2F15-F670-6142-A380-E0390154FF41}" type="datetimeFigureOut">
               <a:rPr lang="en-US" smtClean="0"/>
-              <a:t>3/1/24</a:t>
+              <a:t>3/25/24</a:t>
             </a:fld>
             <a:endParaRPr lang="en-US"/>
           </a:p>
@@ -665,7 +665,7 @@
           <a:p>
             <a:fld id="{28DE2F15-F670-6142-A380-E0390154FF41}" type="datetimeFigureOut">
               <a:rPr lang="en-US" smtClean="0"/>
-              <a:t>3/1/24</a:t>
+              <a:t>3/25/24</a:t>
             </a:fld>
             <a:endParaRPr lang="en-US"/>
           </a:p>
@@ -863,7 +863,7 @@
           <a:p>
             <a:fld id="{28DE2F15-F670-6142-A380-E0390154FF41}" type="datetimeFigureOut">
               <a:rPr lang="en-US" smtClean="0"/>
-              <a:t>3/1/24</a:t>
+              <a:t>3/25/24</a:t>
             </a:fld>
             <a:endParaRPr lang="en-US"/>
           </a:p>
@@ -1138,7 +1138,7 @@
           <a:p>
             <a:fld id="{28DE2F15-F670-6142-A380-E0390154FF41}" type="datetimeFigureOut">
               <a:rPr lang="en-US" smtClean="0"/>
-              <a:t>3/1/24</a:t>
+              <a:t>3/25/24</a:t>
             </a:fld>
             <a:endParaRPr lang="en-US"/>
           </a:p>
@@ -1403,7 +1403,7 @@
           <a:p>
             <a:fld id="{28DE2F15-F670-6142-A380-E0390154FF41}" type="datetimeFigureOut">
               <a:rPr lang="en-US" smtClean="0"/>
-              <a:t>3/1/24</a:t>
+              <a:t>3/25/24</a:t>
             </a:fld>
             <a:endParaRPr lang="en-US"/>
           </a:p>
@@ -1815,7 +1815,7 @@
           <a:p>
             <a:fld id="{28DE2F15-F670-6142-A380-E0390154FF41}" type="datetimeFigureOut">
               <a:rPr lang="en-US" smtClean="0"/>
-              <a:t>3/1/24</a:t>
+              <a:t>3/25/24</a:t>
             </a:fld>
             <a:endParaRPr lang="en-US"/>
           </a:p>
@@ -1956,7 +1956,7 @@
           <a:p>
             <a:fld id="{28DE2F15-F670-6142-A380-E0390154FF41}" type="datetimeFigureOut">
               <a:rPr lang="en-US" smtClean="0"/>
-              <a:t>3/1/24</a:t>
+              <a:t>3/25/24</a:t>
             </a:fld>
             <a:endParaRPr lang="en-US"/>
           </a:p>
@@ -2069,7 +2069,7 @@
           <a:p>
             <a:fld id="{28DE2F15-F670-6142-A380-E0390154FF41}" type="datetimeFigureOut">
               <a:rPr lang="en-US" smtClean="0"/>
-              <a:t>3/1/24</a:t>
+              <a:t>3/25/24</a:t>
             </a:fld>
             <a:endParaRPr lang="en-US"/>
           </a:p>
@@ -2380,7 +2380,7 @@
           <a:p>
             <a:fld id="{28DE2F15-F670-6142-A380-E0390154FF41}" type="datetimeFigureOut">
               <a:rPr lang="en-US" smtClean="0"/>
-              <a:t>3/1/24</a:t>
+              <a:t>3/25/24</a:t>
             </a:fld>
             <a:endParaRPr lang="en-US"/>
           </a:p>
@@ -2668,7 +2668,7 @@
           <a:p>
             <a:fld id="{28DE2F15-F670-6142-A380-E0390154FF41}" type="datetimeFigureOut">
               <a:rPr lang="en-US" smtClean="0"/>
-              <a:t>3/1/24</a:t>
+              <a:t>3/25/24</a:t>
             </a:fld>
             <a:endParaRPr lang="en-US"/>
           </a:p>
@@ -2909,7 +2909,7 @@
           <a:p>
             <a:fld id="{28DE2F15-F670-6142-A380-E0390154FF41}" type="datetimeFigureOut">
               <a:rPr lang="en-US" smtClean="0"/>
-              <a:t>3/1/24</a:t>
+              <a:t>3/25/24</a:t>
             </a:fld>
             <a:endParaRPr lang="en-US"/>
           </a:p>
@@ -5293,56 +5293,6 @@
       </p:cxnSp>
       <p:sp>
         <p:nvSpPr>
-          <p:cNvPr id="235" name="TextBox 234">
-            <a:extLst>
-              <a:ext uri="{FF2B5EF4-FFF2-40B4-BE49-F238E27FC236}">
-                <a16:creationId xmlns:a16="http://schemas.microsoft.com/office/drawing/2014/main" id="{C7013F44-BEFB-FE1D-500B-E2748366CEC3}"/>
-              </a:ext>
-            </a:extLst>
-          </p:cNvPr>
-          <p:cNvSpPr txBox="1"/>
-          <p:nvPr/>
-        </p:nvSpPr>
-        <p:spPr>
-          <a:xfrm>
-            <a:off x="2514014" y="3573725"/>
-            <a:ext cx="2097397" cy="338554"/>
-          </a:xfrm>
-          <a:prstGeom prst="rect">
-            <a:avLst/>
-          </a:prstGeom>
-          <a:noFill/>
-        </p:spPr>
-        <p:txBody>
-          <a:bodyPr wrap="square" rtlCol="0">
-            <a:spAutoFit/>
-          </a:bodyPr>
-          <a:lstStyle/>
-          <a:p>
-            <a:pPr algn="ctr"/>
-            <a:r>
-              <a:rPr lang="en-US" sz="1600" dirty="0" err="1">
-                <a:latin typeface="Calibri" panose="020F0502020204030204" pitchFamily="34" charset="0"/>
-                <a:cs typeface="Calibri" panose="020F0502020204030204" pitchFamily="34" charset="0"/>
-              </a:rPr>
-              <a:t>MinPts</a:t>
-            </a:r>
-            <a:r>
-              <a:rPr lang="en-US" sz="1600" dirty="0">
-                <a:latin typeface="Calibri" panose="020F0502020204030204" pitchFamily="34" charset="0"/>
-                <a:cs typeface="Calibri" panose="020F0502020204030204" pitchFamily="34" charset="0"/>
-              </a:rPr>
-              <a:t>: 4</a:t>
-            </a:r>
-            <a:endParaRPr lang="en-US" sz="1600" baseline="-25000" dirty="0">
-              <a:latin typeface="Calibri" panose="020F0502020204030204" pitchFamily="34" charset="0"/>
-              <a:cs typeface="Calibri" panose="020F0502020204030204" pitchFamily="34" charset="0"/>
-            </a:endParaRPr>
-          </a:p>
-        </p:txBody>
-      </p:sp>
-      <p:sp>
-        <p:nvSpPr>
           <p:cNvPr id="236" name="TextBox 235">
             <a:extLst>
               <a:ext uri="{FF2B5EF4-FFF2-40B4-BE49-F238E27FC236}">
@@ -6816,7 +6766,7 @@
                 <a:latin typeface="Calibri" panose="020F0502020204030204" pitchFamily="34" charset="0"/>
                 <a:cs typeface="Calibri" panose="020F0502020204030204" pitchFamily="34" charset="0"/>
               </a:rPr>
-              <a:t>(a)</a:t>
+              <a:t>(b) ARI: 0.14</a:t>
             </a:r>
             <a:endParaRPr lang="en-US" sz="1600" baseline="-25000" dirty="0">
               <a:latin typeface="Calibri" panose="020F0502020204030204" pitchFamily="34" charset="0"/>
@@ -6859,7 +6809,7 @@
                 <a:latin typeface="Calibri" panose="020F0502020204030204" pitchFamily="34" charset="0"/>
                 <a:cs typeface="Calibri" panose="020F0502020204030204" pitchFamily="34" charset="0"/>
               </a:rPr>
-              <a:t>(b)</a:t>
+              <a:t>(c) ARI: 0.43</a:t>
             </a:r>
             <a:endParaRPr lang="en-US" sz="1600" baseline="-25000" dirty="0">
               <a:latin typeface="Calibri" panose="020F0502020204030204" pitchFamily="34" charset="0"/>
@@ -6902,7 +6852,50 @@
                 <a:latin typeface="Calibri" panose="020F0502020204030204" pitchFamily="34" charset="0"/>
                 <a:cs typeface="Calibri" panose="020F0502020204030204" pitchFamily="34" charset="0"/>
               </a:rPr>
-              <a:t>(c)</a:t>
+              <a:t>(d) ARI: 0.48</a:t>
+            </a:r>
+            <a:endParaRPr lang="en-US" sz="1600" baseline="-25000" dirty="0">
+              <a:latin typeface="Calibri" panose="020F0502020204030204" pitchFamily="34" charset="0"/>
+              <a:cs typeface="Calibri" panose="020F0502020204030204" pitchFamily="34" charset="0"/>
+            </a:endParaRPr>
+          </a:p>
+        </p:txBody>
+      </p:sp>
+      <p:sp>
+        <p:nvSpPr>
+          <p:cNvPr id="2" name="TextBox 1">
+            <a:extLst>
+              <a:ext uri="{FF2B5EF4-FFF2-40B4-BE49-F238E27FC236}">
+                <a16:creationId xmlns:a16="http://schemas.microsoft.com/office/drawing/2014/main" id="{2E3ACC83-BFEF-9658-E65C-0D8B9D02A06D}"/>
+              </a:ext>
+            </a:extLst>
+          </p:cNvPr>
+          <p:cNvSpPr txBox="1"/>
+          <p:nvPr/>
+        </p:nvSpPr>
+        <p:spPr>
+          <a:xfrm>
+            <a:off x="2509504" y="3896917"/>
+            <a:ext cx="2106417" cy="338554"/>
+          </a:xfrm>
+          <a:prstGeom prst="rect">
+            <a:avLst/>
+          </a:prstGeom>
+          <a:noFill/>
+        </p:spPr>
+        <p:txBody>
+          <a:bodyPr wrap="square" rtlCol="0">
+            <a:spAutoFit/>
+          </a:bodyPr>
+          <a:lstStyle/>
+          <a:p>
+            <a:pPr algn="ctr"/>
+            <a:r>
+              <a:rPr lang="en-US" sz="1600" dirty="0">
+                <a:latin typeface="Calibri" panose="020F0502020204030204" pitchFamily="34" charset="0"/>
+                <a:cs typeface="Calibri" panose="020F0502020204030204" pitchFamily="34" charset="0"/>
+              </a:rPr>
+              <a:t>(a) Input</a:t>
             </a:r>
             <a:endParaRPr lang="en-US" sz="1600" baseline="-25000" dirty="0">
               <a:latin typeface="Calibri" panose="020F0502020204030204" pitchFamily="34" charset="0"/>
